--- a/images/illustrations/OW-Runtimes.pptx
+++ b/images/illustrations/OW-Runtimes.pptx
@@ -197,7 +197,7 @@
           <a:p>
             <a:fld id="{B7E7AA13-03CD-450D-9E48-9B034CD4C43D}" type="datetimeFigureOut">
               <a:rPr lang="en-US" smtClean="0"/>
-              <a:t>8/10/18</a:t>
+              <a:t>10/11/18</a:t>
             </a:fld>
             <a:endParaRPr lang="en-US"/>
           </a:p>
@@ -506,7 +506,7 @@
           </a:lstStyle>
           <a:p>
             <a:r>
-              <a:rPr lang="en-US" smtClean="0"/>
+              <a:rPr lang="en-US"/>
               <a:t>Click to edit Master title style</a:t>
             </a:r>
             <a:endParaRPr lang="en-US" dirty="0"/>
@@ -571,7 +571,7 @@
           </a:lstStyle>
           <a:p>
             <a:r>
-              <a:rPr lang="en-US" smtClean="0"/>
+              <a:rPr lang="en-US"/>
               <a:t>Click to edit Master subtitle style</a:t>
             </a:r>
             <a:endParaRPr lang="en-US" dirty="0"/>
@@ -595,7 +595,7 @@
           <a:p>
             <a:fld id="{C764DE79-268F-4C1A-8933-263129D2AF90}" type="datetimeFigureOut">
               <a:rPr lang="en-US" smtClean="0"/>
-              <a:t>8/10/18</a:t>
+              <a:t>10/11/18</a:t>
             </a:fld>
             <a:endParaRPr lang="en-US" dirty="0"/>
           </a:p>
@@ -690,7 +690,7 @@
           <a:lstStyle/>
           <a:p>
             <a:r>
-              <a:rPr lang="en-US" smtClean="0"/>
+              <a:rPr lang="en-US"/>
               <a:t>Click to edit Master title style</a:t>
             </a:r>
             <a:endParaRPr lang="en-US" dirty="0"/>
@@ -714,35 +714,35 @@
           <a:p>
             <a:pPr lvl="0"/>
             <a:r>
-              <a:rPr lang="en-US" smtClean="0"/>
+              <a:rPr lang="en-US"/>
               <a:t>Click to edit Master text styles</a:t>
             </a:r>
           </a:p>
           <a:p>
             <a:pPr lvl="1"/>
             <a:r>
-              <a:rPr lang="en-US" smtClean="0"/>
+              <a:rPr lang="en-US"/>
               <a:t>Second level</a:t>
             </a:r>
           </a:p>
           <a:p>
             <a:pPr lvl="2"/>
             <a:r>
-              <a:rPr lang="en-US" smtClean="0"/>
+              <a:rPr lang="en-US"/>
               <a:t>Third level</a:t>
             </a:r>
           </a:p>
           <a:p>
             <a:pPr lvl="3"/>
             <a:r>
-              <a:rPr lang="en-US" smtClean="0"/>
+              <a:rPr lang="en-US"/>
               <a:t>Fourth level</a:t>
             </a:r>
           </a:p>
           <a:p>
             <a:pPr lvl="4"/>
             <a:r>
-              <a:rPr lang="en-US" smtClean="0"/>
+              <a:rPr lang="en-US"/>
               <a:t>Fifth level</a:t>
             </a:r>
             <a:endParaRPr lang="en-US" dirty="0"/>
@@ -766,7 +766,7 @@
           <a:p>
             <a:fld id="{C764DE79-268F-4C1A-8933-263129D2AF90}" type="datetimeFigureOut">
               <a:rPr lang="en-US" smtClean="0"/>
-              <a:t>8/10/18</a:t>
+              <a:t>10/11/18</a:t>
             </a:fld>
             <a:endParaRPr lang="en-US" dirty="0"/>
           </a:p>
@@ -866,7 +866,7 @@
           <a:lstStyle/>
           <a:p>
             <a:r>
-              <a:rPr lang="en-US" smtClean="0"/>
+              <a:rPr lang="en-US"/>
               <a:t>Click to edit Master title style</a:t>
             </a:r>
             <a:endParaRPr lang="en-US" dirty="0"/>
@@ -895,35 +895,35 @@
           <a:p>
             <a:pPr lvl="0"/>
             <a:r>
-              <a:rPr lang="en-US" smtClean="0"/>
+              <a:rPr lang="en-US"/>
               <a:t>Click to edit Master text styles</a:t>
             </a:r>
           </a:p>
           <a:p>
             <a:pPr lvl="1"/>
             <a:r>
-              <a:rPr lang="en-US" smtClean="0"/>
+              <a:rPr lang="en-US"/>
               <a:t>Second level</a:t>
             </a:r>
           </a:p>
           <a:p>
             <a:pPr lvl="2"/>
             <a:r>
-              <a:rPr lang="en-US" smtClean="0"/>
+              <a:rPr lang="en-US"/>
               <a:t>Third level</a:t>
             </a:r>
           </a:p>
           <a:p>
             <a:pPr lvl="3"/>
             <a:r>
-              <a:rPr lang="en-US" smtClean="0"/>
+              <a:rPr lang="en-US"/>
               <a:t>Fourth level</a:t>
             </a:r>
           </a:p>
           <a:p>
             <a:pPr lvl="4"/>
             <a:r>
-              <a:rPr lang="en-US" smtClean="0"/>
+              <a:rPr lang="en-US"/>
               <a:t>Fifth level</a:t>
             </a:r>
             <a:endParaRPr lang="en-US" dirty="0"/>
@@ -947,7 +947,7 @@
           <a:p>
             <a:fld id="{C764DE79-268F-4C1A-8933-263129D2AF90}" type="datetimeFigureOut">
               <a:rPr lang="en-US" smtClean="0"/>
-              <a:t>8/10/18</a:t>
+              <a:t>10/11/18</a:t>
             </a:fld>
             <a:endParaRPr lang="en-US" dirty="0"/>
           </a:p>
@@ -1590,7 +1590,7 @@
           <p:cNvPr id="3" name="Picture 2">
             <a:extLst>
               <a:ext uri="{FF2B5EF4-FFF2-40B4-BE49-F238E27FC236}">
-                <a16:creationId xmlns="" xmlns:a16="http://schemas.microsoft.com/office/drawing/2014/main" id="{4FD8317D-E5DC-48AE-B946-799BE935985E}"/>
+                <a16:creationId xmlns:a16="http://schemas.microsoft.com/office/drawing/2014/main" id="{4FD8317D-E5DC-48AE-B946-799BE935985E}"/>
               </a:ext>
             </a:extLst>
           </p:cNvPr>
@@ -1626,7 +1626,7 @@
           <p:cNvPr id="5" name="Rectangle 4">
             <a:extLst>
               <a:ext uri="{FF2B5EF4-FFF2-40B4-BE49-F238E27FC236}">
-                <a16:creationId xmlns="" xmlns:a16="http://schemas.microsoft.com/office/drawing/2014/main" id="{C250DED9-2375-4F1F-B1BB-FFBC67D08FEA}"/>
+                <a16:creationId xmlns:a16="http://schemas.microsoft.com/office/drawing/2014/main" id="{C250DED9-2375-4F1F-B1BB-FFBC67D08FEA}"/>
               </a:ext>
             </a:extLst>
           </p:cNvPr>
@@ -1945,7 +1945,7 @@
           <a:lstStyle/>
           <a:p>
             <a:r>
-              <a:rPr lang="en-US" smtClean="0"/>
+              <a:rPr lang="en-US"/>
               <a:t>Click to edit Master title style</a:t>
             </a:r>
             <a:endParaRPr lang="en-US" dirty="0"/>
@@ -1969,35 +1969,35 @@
           <a:p>
             <a:pPr lvl="0"/>
             <a:r>
-              <a:rPr lang="en-US" smtClean="0"/>
+              <a:rPr lang="en-US"/>
               <a:t>Click to edit Master text styles</a:t>
             </a:r>
           </a:p>
           <a:p>
             <a:pPr lvl="1"/>
             <a:r>
-              <a:rPr lang="en-US" smtClean="0"/>
+              <a:rPr lang="en-US"/>
               <a:t>Second level</a:t>
             </a:r>
           </a:p>
           <a:p>
             <a:pPr lvl="2"/>
             <a:r>
-              <a:rPr lang="en-US" smtClean="0"/>
+              <a:rPr lang="en-US"/>
               <a:t>Third level</a:t>
             </a:r>
           </a:p>
           <a:p>
             <a:pPr lvl="3"/>
             <a:r>
-              <a:rPr lang="en-US" smtClean="0"/>
+              <a:rPr lang="en-US"/>
               <a:t>Fourth level</a:t>
             </a:r>
           </a:p>
           <a:p>
             <a:pPr lvl="4"/>
             <a:r>
-              <a:rPr lang="en-US" smtClean="0"/>
+              <a:rPr lang="en-US"/>
               <a:t>Fifth level</a:t>
             </a:r>
             <a:endParaRPr lang="en-US" dirty="0"/>
@@ -2021,7 +2021,7 @@
           <a:p>
             <a:fld id="{C764DE79-268F-4C1A-8933-263129D2AF90}" type="datetimeFigureOut">
               <a:rPr lang="en-US" smtClean="0"/>
-              <a:t>8/10/18</a:t>
+              <a:t>10/11/18</a:t>
             </a:fld>
             <a:endParaRPr lang="en-US" dirty="0"/>
           </a:p>
@@ -2125,7 +2125,7 @@
           </a:lstStyle>
           <a:p>
             <a:r>
-              <a:rPr lang="en-US" smtClean="0"/>
+              <a:rPr lang="en-US"/>
               <a:t>Click to edit Master title style</a:t>
             </a:r>
             <a:endParaRPr lang="en-US" dirty="0"/>
@@ -2245,7 +2245,7 @@
           <a:p>
             <a:pPr lvl="0"/>
             <a:r>
-              <a:rPr lang="en-US" smtClean="0"/>
+              <a:rPr lang="en-US"/>
               <a:t>Click to edit Master text styles</a:t>
             </a:r>
           </a:p>
@@ -2268,7 +2268,7 @@
           <a:p>
             <a:fld id="{C764DE79-268F-4C1A-8933-263129D2AF90}" type="datetimeFigureOut">
               <a:rPr lang="en-US" smtClean="0"/>
-              <a:t>8/10/18</a:t>
+              <a:t>10/11/18</a:t>
             </a:fld>
             <a:endParaRPr lang="en-US" dirty="0"/>
           </a:p>
@@ -2363,7 +2363,7 @@
           <a:lstStyle/>
           <a:p>
             <a:r>
-              <a:rPr lang="en-US" smtClean="0"/>
+              <a:rPr lang="en-US"/>
               <a:t>Click to edit Master title style</a:t>
             </a:r>
             <a:endParaRPr lang="en-US" dirty="0"/>
@@ -2392,35 +2392,35 @@
           <a:p>
             <a:pPr lvl="0"/>
             <a:r>
-              <a:rPr lang="en-US" smtClean="0"/>
+              <a:rPr lang="en-US"/>
               <a:t>Click to edit Master text styles</a:t>
             </a:r>
           </a:p>
           <a:p>
             <a:pPr lvl="1"/>
             <a:r>
-              <a:rPr lang="en-US" smtClean="0"/>
+              <a:rPr lang="en-US"/>
               <a:t>Second level</a:t>
             </a:r>
           </a:p>
           <a:p>
             <a:pPr lvl="2"/>
             <a:r>
-              <a:rPr lang="en-US" smtClean="0"/>
+              <a:rPr lang="en-US"/>
               <a:t>Third level</a:t>
             </a:r>
           </a:p>
           <a:p>
             <a:pPr lvl="3"/>
             <a:r>
-              <a:rPr lang="en-US" smtClean="0"/>
+              <a:rPr lang="en-US"/>
               <a:t>Fourth level</a:t>
             </a:r>
           </a:p>
           <a:p>
             <a:pPr lvl="4"/>
             <a:r>
-              <a:rPr lang="en-US" smtClean="0"/>
+              <a:rPr lang="en-US"/>
               <a:t>Fifth level</a:t>
             </a:r>
             <a:endParaRPr lang="en-US" dirty="0"/>
@@ -2449,35 +2449,35 @@
           <a:p>
             <a:pPr lvl="0"/>
             <a:r>
-              <a:rPr lang="en-US" smtClean="0"/>
+              <a:rPr lang="en-US"/>
               <a:t>Click to edit Master text styles</a:t>
             </a:r>
           </a:p>
           <a:p>
             <a:pPr lvl="1"/>
             <a:r>
-              <a:rPr lang="en-US" smtClean="0"/>
+              <a:rPr lang="en-US"/>
               <a:t>Second level</a:t>
             </a:r>
           </a:p>
           <a:p>
             <a:pPr lvl="2"/>
             <a:r>
-              <a:rPr lang="en-US" smtClean="0"/>
+              <a:rPr lang="en-US"/>
               <a:t>Third level</a:t>
             </a:r>
           </a:p>
           <a:p>
             <a:pPr lvl="3"/>
             <a:r>
-              <a:rPr lang="en-US" smtClean="0"/>
+              <a:rPr lang="en-US"/>
               <a:t>Fourth level</a:t>
             </a:r>
           </a:p>
           <a:p>
             <a:pPr lvl="4"/>
             <a:r>
-              <a:rPr lang="en-US" smtClean="0"/>
+              <a:rPr lang="en-US"/>
               <a:t>Fifth level</a:t>
             </a:r>
             <a:endParaRPr lang="en-US" dirty="0"/>
@@ -2501,7 +2501,7 @@
           <a:p>
             <a:fld id="{C764DE79-268F-4C1A-8933-263129D2AF90}" type="datetimeFigureOut">
               <a:rPr lang="en-US" smtClean="0"/>
-              <a:t>8/10/18</a:t>
+              <a:t>10/11/18</a:t>
             </a:fld>
             <a:endParaRPr lang="en-US" dirty="0"/>
           </a:p>
@@ -2601,7 +2601,7 @@
           <a:lstStyle/>
           <a:p>
             <a:r>
-              <a:rPr lang="en-US" smtClean="0"/>
+              <a:rPr lang="en-US"/>
               <a:t>Click to edit Master title style</a:t>
             </a:r>
             <a:endParaRPr lang="en-US" dirty="0"/>
@@ -2667,7 +2667,7 @@
           <a:p>
             <a:pPr lvl="0"/>
             <a:r>
-              <a:rPr lang="en-US" smtClean="0"/>
+              <a:rPr lang="en-US"/>
               <a:t>Click to edit Master text styles</a:t>
             </a:r>
           </a:p>
@@ -2695,35 +2695,35 @@
           <a:p>
             <a:pPr lvl="0"/>
             <a:r>
-              <a:rPr lang="en-US" smtClean="0"/>
+              <a:rPr lang="en-US"/>
               <a:t>Click to edit Master text styles</a:t>
             </a:r>
           </a:p>
           <a:p>
             <a:pPr lvl="1"/>
             <a:r>
-              <a:rPr lang="en-US" smtClean="0"/>
+              <a:rPr lang="en-US"/>
               <a:t>Second level</a:t>
             </a:r>
           </a:p>
           <a:p>
             <a:pPr lvl="2"/>
             <a:r>
-              <a:rPr lang="en-US" smtClean="0"/>
+              <a:rPr lang="en-US"/>
               <a:t>Third level</a:t>
             </a:r>
           </a:p>
           <a:p>
             <a:pPr lvl="3"/>
             <a:r>
-              <a:rPr lang="en-US" smtClean="0"/>
+              <a:rPr lang="en-US"/>
               <a:t>Fourth level</a:t>
             </a:r>
           </a:p>
           <a:p>
             <a:pPr lvl="4"/>
             <a:r>
-              <a:rPr lang="en-US" smtClean="0"/>
+              <a:rPr lang="en-US"/>
               <a:t>Fifth level</a:t>
             </a:r>
             <a:endParaRPr lang="en-US" dirty="0"/>
@@ -2789,7 +2789,7 @@
           <a:p>
             <a:pPr lvl="0"/>
             <a:r>
-              <a:rPr lang="en-US" smtClean="0"/>
+              <a:rPr lang="en-US"/>
               <a:t>Click to edit Master text styles</a:t>
             </a:r>
           </a:p>
@@ -2817,35 +2817,35 @@
           <a:p>
             <a:pPr lvl="0"/>
             <a:r>
-              <a:rPr lang="en-US" smtClean="0"/>
+              <a:rPr lang="en-US"/>
               <a:t>Click to edit Master text styles</a:t>
             </a:r>
           </a:p>
           <a:p>
             <a:pPr lvl="1"/>
             <a:r>
-              <a:rPr lang="en-US" smtClean="0"/>
+              <a:rPr lang="en-US"/>
               <a:t>Second level</a:t>
             </a:r>
           </a:p>
           <a:p>
             <a:pPr lvl="2"/>
             <a:r>
-              <a:rPr lang="en-US" smtClean="0"/>
+              <a:rPr lang="en-US"/>
               <a:t>Third level</a:t>
             </a:r>
           </a:p>
           <a:p>
             <a:pPr lvl="3"/>
             <a:r>
-              <a:rPr lang="en-US" smtClean="0"/>
+              <a:rPr lang="en-US"/>
               <a:t>Fourth level</a:t>
             </a:r>
           </a:p>
           <a:p>
             <a:pPr lvl="4"/>
             <a:r>
-              <a:rPr lang="en-US" smtClean="0"/>
+              <a:rPr lang="en-US"/>
               <a:t>Fifth level</a:t>
             </a:r>
             <a:endParaRPr lang="en-US" dirty="0"/>
@@ -2869,7 +2869,7 @@
           <a:p>
             <a:fld id="{C764DE79-268F-4C1A-8933-263129D2AF90}" type="datetimeFigureOut">
               <a:rPr lang="en-US" smtClean="0"/>
-              <a:t>8/10/18</a:t>
+              <a:t>10/11/18</a:t>
             </a:fld>
             <a:endParaRPr lang="en-US" dirty="0"/>
           </a:p>
@@ -2964,7 +2964,7 @@
           <a:lstStyle/>
           <a:p>
             <a:r>
-              <a:rPr lang="en-US" smtClean="0"/>
+              <a:rPr lang="en-US"/>
               <a:t>Click to edit Master title style</a:t>
             </a:r>
             <a:endParaRPr lang="en-US" dirty="0"/>
@@ -2988,7 +2988,7 @@
           <a:p>
             <a:fld id="{C764DE79-268F-4C1A-8933-263129D2AF90}" type="datetimeFigureOut">
               <a:rPr lang="en-US" smtClean="0"/>
-              <a:t>8/10/18</a:t>
+              <a:t>10/11/18</a:t>
             </a:fld>
             <a:endParaRPr lang="en-US" dirty="0"/>
           </a:p>
@@ -3084,7 +3084,7 @@
           <a:p>
             <a:fld id="{C764DE79-268F-4C1A-8933-263129D2AF90}" type="datetimeFigureOut">
               <a:rPr lang="en-US" smtClean="0"/>
-              <a:t>8/10/18</a:t>
+              <a:t>10/11/18</a:t>
             </a:fld>
             <a:endParaRPr lang="en-US" dirty="0"/>
           </a:p>
@@ -3188,7 +3188,7 @@
           </a:lstStyle>
           <a:p>
             <a:r>
-              <a:rPr lang="en-US" smtClean="0"/>
+              <a:rPr lang="en-US"/>
               <a:t>Click to edit Master title style</a:t>
             </a:r>
             <a:endParaRPr lang="en-US" dirty="0"/>
@@ -3245,35 +3245,35 @@
           <a:p>
             <a:pPr lvl="0"/>
             <a:r>
-              <a:rPr lang="en-US" smtClean="0"/>
+              <a:rPr lang="en-US"/>
               <a:t>Click to edit Master text styles</a:t>
             </a:r>
           </a:p>
           <a:p>
             <a:pPr lvl="1"/>
             <a:r>
-              <a:rPr lang="en-US" smtClean="0"/>
+              <a:rPr lang="en-US"/>
               <a:t>Second level</a:t>
             </a:r>
           </a:p>
           <a:p>
             <a:pPr lvl="2"/>
             <a:r>
-              <a:rPr lang="en-US" smtClean="0"/>
+              <a:rPr lang="en-US"/>
               <a:t>Third level</a:t>
             </a:r>
           </a:p>
           <a:p>
             <a:pPr lvl="3"/>
             <a:r>
-              <a:rPr lang="en-US" smtClean="0"/>
+              <a:rPr lang="en-US"/>
               <a:t>Fourth level</a:t>
             </a:r>
           </a:p>
           <a:p>
             <a:pPr lvl="4"/>
             <a:r>
-              <a:rPr lang="en-US" smtClean="0"/>
+              <a:rPr lang="en-US"/>
               <a:t>Fifth level</a:t>
             </a:r>
             <a:endParaRPr lang="en-US" dirty="0"/>
@@ -3339,7 +3339,7 @@
           <a:p>
             <a:pPr lvl="0"/>
             <a:r>
-              <a:rPr lang="en-US" smtClean="0"/>
+              <a:rPr lang="en-US"/>
               <a:t>Click to edit Master text styles</a:t>
             </a:r>
           </a:p>
@@ -3362,7 +3362,7 @@
           <a:p>
             <a:fld id="{C764DE79-268F-4C1A-8933-263129D2AF90}" type="datetimeFigureOut">
               <a:rPr lang="en-US" smtClean="0"/>
-              <a:t>8/10/18</a:t>
+              <a:t>10/11/18</a:t>
             </a:fld>
             <a:endParaRPr lang="en-US" dirty="0"/>
           </a:p>
@@ -3466,7 +3466,7 @@
           </a:lstStyle>
           <a:p>
             <a:r>
-              <a:rPr lang="en-US" smtClean="0"/>
+              <a:rPr lang="en-US"/>
               <a:t>Click to edit Master title style</a:t>
             </a:r>
             <a:endParaRPr lang="en-US" dirty="0"/>
@@ -3531,7 +3531,7 @@
           </a:lstStyle>
           <a:p>
             <a:r>
-              <a:rPr lang="en-US" smtClean="0"/>
+              <a:rPr lang="en-US"/>
               <a:t>Drag picture to placeholder or click icon to add</a:t>
             </a:r>
             <a:endParaRPr lang="en-US" dirty="0"/>
@@ -3597,7 +3597,7 @@
           <a:p>
             <a:pPr lvl="0"/>
             <a:r>
-              <a:rPr lang="en-US" smtClean="0"/>
+              <a:rPr lang="en-US"/>
               <a:t>Click to edit Master text styles</a:t>
             </a:r>
           </a:p>
@@ -3620,7 +3620,7 @@
           <a:p>
             <a:fld id="{C764DE79-268F-4C1A-8933-263129D2AF90}" type="datetimeFigureOut">
               <a:rPr lang="en-US" smtClean="0"/>
-              <a:t>8/10/18</a:t>
+              <a:t>10/11/18</a:t>
             </a:fld>
             <a:endParaRPr lang="en-US" dirty="0"/>
           </a:p>
@@ -3730,7 +3730,7 @@
           <a:lstStyle/>
           <a:p>
             <a:r>
-              <a:rPr lang="en-US" smtClean="0"/>
+              <a:rPr lang="en-US"/>
               <a:t>Click to edit Master title style</a:t>
             </a:r>
             <a:endParaRPr lang="en-US" dirty="0"/>
@@ -3764,35 +3764,35 @@
           <a:p>
             <a:pPr lvl="0"/>
             <a:r>
-              <a:rPr lang="en-US" smtClean="0"/>
+              <a:rPr lang="en-US"/>
               <a:t>Click to edit Master text styles</a:t>
             </a:r>
           </a:p>
           <a:p>
             <a:pPr lvl="1"/>
             <a:r>
-              <a:rPr lang="en-US" smtClean="0"/>
+              <a:rPr lang="en-US"/>
               <a:t>Second level</a:t>
             </a:r>
           </a:p>
           <a:p>
             <a:pPr lvl="2"/>
             <a:r>
-              <a:rPr lang="en-US" smtClean="0"/>
+              <a:rPr lang="en-US"/>
               <a:t>Third level</a:t>
             </a:r>
           </a:p>
           <a:p>
             <a:pPr lvl="3"/>
             <a:r>
-              <a:rPr lang="en-US" smtClean="0"/>
+              <a:rPr lang="en-US"/>
               <a:t>Fourth level</a:t>
             </a:r>
           </a:p>
           <a:p>
             <a:pPr lvl="4"/>
             <a:r>
-              <a:rPr lang="en-US" smtClean="0"/>
+              <a:rPr lang="en-US"/>
               <a:t>Fifth level</a:t>
             </a:r>
             <a:endParaRPr lang="en-US" dirty="0"/>
@@ -3834,7 +3834,7 @@
           <a:p>
             <a:fld id="{C764DE79-268F-4C1A-8933-263129D2AF90}" type="datetimeFigureOut">
               <a:rPr lang="en-US" smtClean="0"/>
-              <a:t>8/10/18</a:t>
+              <a:t>10/11/18</a:t>
             </a:fld>
             <a:endParaRPr lang="en-US" dirty="0"/>
           </a:p>
@@ -4308,28 +4308,28 @@
       </p:sp>
       <p:pic>
         <p:nvPicPr>
-          <p:cNvPr id="5" name="Picture 4"/>
+          <p:cNvPr id="2" name="Picture 1">
+            <a:extLst>
+              <a:ext uri="{FF2B5EF4-FFF2-40B4-BE49-F238E27FC236}">
+                <a16:creationId xmlns:a16="http://schemas.microsoft.com/office/drawing/2014/main" id="{15499F5C-08EC-A641-B0B8-E1327733417A}"/>
+              </a:ext>
+            </a:extLst>
+          </p:cNvPr>
           <p:cNvPicPr>
             <a:picLocks noChangeAspect="1"/>
           </p:cNvPicPr>
           <p:nvPr/>
         </p:nvPicPr>
         <p:blipFill>
-          <a:blip r:embed="rId2">
-            <a:extLst>
-              <a:ext uri="{28A0092B-C50C-407E-A947-70E740481C1C}">
-                <a14:useLocalDpi xmlns:a14="http://schemas.microsoft.com/office/drawing/2010/main" val="0"/>
-              </a:ext>
-            </a:extLst>
-          </a:blip>
+          <a:blip r:embed="rId2"/>
           <a:stretch>
             <a:fillRect/>
           </a:stretch>
         </p:blipFill>
         <p:spPr>
           <a:xfrm>
-            <a:off x="861322" y="1458186"/>
-            <a:ext cx="963357" cy="519102"/>
+            <a:off x="2800082" y="168436"/>
+            <a:ext cx="452427" cy="452427"/>
           </a:xfrm>
           <a:prstGeom prst="rect">
             <a:avLst/>
@@ -4338,7 +4338,7 @@
       </p:pic>
       <p:pic>
         <p:nvPicPr>
-          <p:cNvPr id="7" name="Picture 6"/>
+          <p:cNvPr id="5" name="Picture 4"/>
           <p:cNvPicPr>
             <a:picLocks noChangeAspect="1"/>
           </p:cNvPicPr>
@@ -4358,8 +4358,8 @@
         </p:blipFill>
         <p:spPr>
           <a:xfrm>
-            <a:off x="1219794" y="248421"/>
-            <a:ext cx="944549" cy="578619"/>
+            <a:off x="861322" y="1458186"/>
+            <a:ext cx="963357" cy="519102"/>
           </a:xfrm>
           <a:prstGeom prst="rect">
             <a:avLst/>
@@ -4368,7 +4368,7 @@
       </p:pic>
       <p:pic>
         <p:nvPicPr>
-          <p:cNvPr id="8" name="Picture 7"/>
+          <p:cNvPr id="7" name="Picture 6"/>
           <p:cNvPicPr>
             <a:picLocks noChangeAspect="1"/>
           </p:cNvPicPr>
@@ -4388,8 +4388,8 @@
         </p:blipFill>
         <p:spPr>
           <a:xfrm>
-            <a:off x="1289408" y="940105"/>
-            <a:ext cx="1170819" cy="491745"/>
+            <a:off x="1037006" y="234747"/>
+            <a:ext cx="944549" cy="578619"/>
           </a:xfrm>
           <a:prstGeom prst="rect">
             <a:avLst/>
@@ -4398,7 +4398,7 @@
       </p:pic>
       <p:pic>
         <p:nvPicPr>
-          <p:cNvPr id="10" name="Picture 9"/>
+          <p:cNvPr id="8" name="Picture 7"/>
           <p:cNvPicPr>
             <a:picLocks noChangeAspect="1"/>
           </p:cNvPicPr>
@@ -4418,8 +4418,8 @@
         </p:blipFill>
         <p:spPr>
           <a:xfrm>
-            <a:off x="3256490" y="1570848"/>
-            <a:ext cx="722657" cy="380859"/>
+            <a:off x="1289408" y="940105"/>
+            <a:ext cx="1170819" cy="491745"/>
           </a:xfrm>
           <a:prstGeom prst="rect">
             <a:avLst/>
@@ -4428,7 +4428,7 @@
       </p:pic>
       <p:pic>
         <p:nvPicPr>
-          <p:cNvPr id="11" name="Picture 10"/>
+          <p:cNvPr id="10" name="Picture 9"/>
           <p:cNvPicPr>
             <a:picLocks noChangeAspect="1"/>
           </p:cNvPicPr>
@@ -4448,7 +4448,37 @@
         </p:blipFill>
         <p:spPr>
           <a:xfrm>
-            <a:off x="2324850" y="591975"/>
+            <a:off x="3256490" y="1570848"/>
+            <a:ext cx="722657" cy="380859"/>
+          </a:xfrm>
+          <a:prstGeom prst="rect">
+            <a:avLst/>
+          </a:prstGeom>
+        </p:spPr>
+      </p:pic>
+      <p:pic>
+        <p:nvPicPr>
+          <p:cNvPr id="11" name="Picture 10"/>
+          <p:cNvPicPr>
+            <a:picLocks noChangeAspect="1"/>
+          </p:cNvPicPr>
+          <p:nvPr/>
+        </p:nvPicPr>
+        <p:blipFill>
+          <a:blip r:embed="rId7">
+            <a:extLst>
+              <a:ext uri="{28A0092B-C50C-407E-A947-70E740481C1C}">
+                <a14:useLocalDpi xmlns:a14="http://schemas.microsoft.com/office/drawing/2010/main" val="0"/>
+              </a:ext>
+            </a:extLst>
+          </a:blip>
+          <a:stretch>
+            <a:fillRect/>
+          </a:stretch>
+        </p:blipFill>
+        <p:spPr>
+          <a:xfrm>
+            <a:off x="2264766" y="658627"/>
             <a:ext cx="1027738" cy="359708"/>
           </a:xfrm>
           <a:prstGeom prst="rect">
@@ -4465,11 +4495,11 @@
           <p:nvPr/>
         </p:nvPicPr>
         <p:blipFill>
-          <a:blip r:embed="rId7">
+          <a:blip r:embed="rId8">
             <a:extLst>
               <a:ext uri="{BEBA8EAE-BF5A-486C-A8C5-ECC9F3942E4B}">
                 <a14:imgProps xmlns:a14="http://schemas.microsoft.com/office/drawing/2010/main">
-                  <a14:imgLayer r:embed="rId8">
+                  <a14:imgLayer r:embed="rId9">
                     <a14:imgEffect>
                       <a14:colorTemperature colorTemp="5093"/>
                     </a14:imgEffect>
@@ -4506,36 +4536,6 @@
       <p:pic>
         <p:nvPicPr>
           <p:cNvPr id="35" name="Picture 34"/>
-          <p:cNvPicPr>
-            <a:picLocks noChangeAspect="1"/>
-          </p:cNvPicPr>
-          <p:nvPr/>
-        </p:nvPicPr>
-        <p:blipFill>
-          <a:blip r:embed="rId9">
-            <a:extLst>
-              <a:ext uri="{28A0092B-C50C-407E-A947-70E740481C1C}">
-                <a14:useLocalDpi xmlns:a14="http://schemas.microsoft.com/office/drawing/2010/main" val="0"/>
-              </a:ext>
-            </a:extLst>
-          </a:blip>
-          <a:stretch>
-            <a:fillRect/>
-          </a:stretch>
-        </p:blipFill>
-        <p:spPr>
-          <a:xfrm>
-            <a:off x="2174782" y="1431844"/>
-            <a:ext cx="889956" cy="416054"/>
-          </a:xfrm>
-          <a:prstGeom prst="rect">
-            <a:avLst/>
-          </a:prstGeom>
-        </p:spPr>
-      </p:pic>
-      <p:pic>
-        <p:nvPicPr>
-          <p:cNvPr id="37" name="Picture 36"/>
           <p:cNvPicPr>
             <a:picLocks noChangeAspect="1"/>
           </p:cNvPicPr>
@@ -4555,6 +4555,36 @@
         </p:blipFill>
         <p:spPr>
           <a:xfrm>
+            <a:off x="2174782" y="1431844"/>
+            <a:ext cx="889956" cy="416054"/>
+          </a:xfrm>
+          <a:prstGeom prst="rect">
+            <a:avLst/>
+          </a:prstGeom>
+        </p:spPr>
+      </p:pic>
+      <p:pic>
+        <p:nvPicPr>
+          <p:cNvPr id="37" name="Picture 36"/>
+          <p:cNvPicPr>
+            <a:picLocks noChangeAspect="1"/>
+          </p:cNvPicPr>
+          <p:nvPr/>
+        </p:nvPicPr>
+        <p:blipFill>
+          <a:blip r:embed="rId11">
+            <a:extLst>
+              <a:ext uri="{28A0092B-C50C-407E-A947-70E740481C1C}">
+                <a14:useLocalDpi xmlns:a14="http://schemas.microsoft.com/office/drawing/2010/main" val="0"/>
+              </a:ext>
+            </a:extLst>
+          </a:blip>
+          <a:stretch>
+            <a:fillRect/>
+          </a:stretch>
+        </p:blipFill>
+        <p:spPr>
+          <a:xfrm>
             <a:off x="2800300" y="1031725"/>
             <a:ext cx="1363881" cy="324591"/>
           </a:xfrm>
@@ -4572,7 +4602,7 @@
           <p:nvPr/>
         </p:nvPicPr>
         <p:blipFill>
-          <a:blip r:embed="rId11">
+          <a:blip r:embed="rId12">
             <a:extLst>
               <a:ext uri="{28A0092B-C50C-407E-A947-70E740481C1C}">
                 <a14:useLocalDpi xmlns:a14="http://schemas.microsoft.com/office/drawing/2010/main" val="0"/>
